--- a/Gestione di un magazzino.pptx
+++ b/Gestione di un magazzino.pptx
@@ -277,7 +277,7 @@
           <a:p>
             <a:fld id="{76969C88-B244-455D-A017-012B25B1ACDD}" type="datetimeFigureOut">
               <a:rPr lang="en-US" smtClean="0"/>
-              <a:t>11/12/2021</a:t>
+              <a:t>11/24/2021</a:t>
             </a:fld>
             <a:endParaRPr lang="en-US" dirty="0"/>
           </a:p>
@@ -475,7 +475,7 @@
           <a:p>
             <a:fld id="{76969C88-B244-455D-A017-012B25B1ACDD}" type="datetimeFigureOut">
               <a:rPr lang="en-US" smtClean="0"/>
-              <a:t>11/12/2021</a:t>
+              <a:t>11/24/2021</a:t>
             </a:fld>
             <a:endParaRPr lang="en-US" dirty="0"/>
           </a:p>
@@ -683,7 +683,7 @@
           <a:p>
             <a:fld id="{76969C88-B244-455D-A017-012B25B1ACDD}" type="datetimeFigureOut">
               <a:rPr lang="en-US" smtClean="0"/>
-              <a:t>11/12/2021</a:t>
+              <a:t>11/24/2021</a:t>
             </a:fld>
             <a:endParaRPr lang="en-US" dirty="0"/>
           </a:p>
@@ -882,7 +882,7 @@
           <a:p>
             <a:fld id="{76969C88-B244-455D-A017-012B25B1ACDD}" type="datetimeFigureOut">
               <a:rPr lang="en-US" smtClean="0"/>
-              <a:t>11/12/2021</a:t>
+              <a:t>11/24/2021</a:t>
             </a:fld>
             <a:endParaRPr lang="en-US" dirty="0"/>
           </a:p>
@@ -1157,7 +1157,7 @@
           <a:p>
             <a:fld id="{76969C88-B244-455D-A017-012B25B1ACDD}" type="datetimeFigureOut">
               <a:rPr lang="en-US" smtClean="0"/>
-              <a:t>11/12/2021</a:t>
+              <a:t>11/24/2021</a:t>
             </a:fld>
             <a:endParaRPr lang="en-US" dirty="0"/>
           </a:p>
@@ -1422,7 +1422,7 @@
           <a:p>
             <a:fld id="{76969C88-B244-455D-A017-012B25B1ACDD}" type="datetimeFigureOut">
               <a:rPr lang="en-US" smtClean="0"/>
-              <a:t>11/12/2021</a:t>
+              <a:t>11/24/2021</a:t>
             </a:fld>
             <a:endParaRPr lang="en-US" dirty="0"/>
           </a:p>
@@ -1834,7 +1834,7 @@
           <a:p>
             <a:fld id="{76969C88-B244-455D-A017-012B25B1ACDD}" type="datetimeFigureOut">
               <a:rPr lang="en-US" smtClean="0"/>
-              <a:t>11/12/2021</a:t>
+              <a:t>11/24/2021</a:t>
             </a:fld>
             <a:endParaRPr lang="en-US" dirty="0"/>
           </a:p>
@@ -1975,7 +1975,7 @@
           <a:p>
             <a:fld id="{76969C88-B244-455D-A017-012B25B1ACDD}" type="datetimeFigureOut">
               <a:rPr lang="en-US" smtClean="0"/>
-              <a:t>11/12/2021</a:t>
+              <a:t>11/24/2021</a:t>
             </a:fld>
             <a:endParaRPr lang="en-US" dirty="0"/>
           </a:p>
@@ -2088,7 +2088,7 @@
           <a:p>
             <a:fld id="{76969C88-B244-455D-A017-012B25B1ACDD}" type="datetimeFigureOut">
               <a:rPr lang="en-US" smtClean="0"/>
-              <a:t>11/12/2021</a:t>
+              <a:t>11/24/2021</a:t>
             </a:fld>
             <a:endParaRPr lang="en-US" dirty="0"/>
           </a:p>
@@ -2400,7 +2400,7 @@
           <a:p>
             <a:fld id="{76969C88-B244-455D-A017-012B25B1ACDD}" type="datetimeFigureOut">
               <a:rPr lang="en-US" smtClean="0"/>
-              <a:t>11/12/2021</a:t>
+              <a:t>11/24/2021</a:t>
             </a:fld>
             <a:endParaRPr lang="en-US" dirty="0"/>
           </a:p>
@@ -2691,7 +2691,7 @@
           <a:p>
             <a:fld id="{76969C88-B244-455D-A017-012B25B1ACDD}" type="datetimeFigureOut">
               <a:rPr lang="en-US" smtClean="0"/>
-              <a:t>11/12/2021</a:t>
+              <a:t>11/24/2021</a:t>
             </a:fld>
             <a:endParaRPr lang="en-US" dirty="0"/>
           </a:p>
@@ -2768,9 +2768,12 @@
 <p:sldMaster xmlns:a="http://schemas.openxmlformats.org/drawingml/2006/main" xmlns:r="http://schemas.openxmlformats.org/officeDocument/2006/relationships" xmlns:p="http://schemas.openxmlformats.org/presentationml/2006/main">
   <p:cSld>
     <p:bg>
-      <p:bgRef idx="1001">
-        <a:schemeClr val="bg2"/>
-      </p:bgRef>
+      <p:bgPr>
+        <a:solidFill>
+          <a:srgbClr val="0C1516"/>
+        </a:solidFill>
+        <a:effectLst/>
+      </p:bgPr>
     </p:bg>
     <p:spTree>
       <p:nvGrpSpPr>
@@ -3447,7 +3450,7 @@
             <a:fld id="{76969C88-B244-455D-A017-012B25B1ACDD}" type="datetimeFigureOut">
               <a:rPr lang="en-US" smtClean="0"/>
               <a:pPr/>
-              <a:t>11/12/2021</a:t>
+              <a:t>11/24/2021</a:t>
             </a:fld>
             <a:endParaRPr lang="en-US" dirty="0"/>
           </a:p>
@@ -3863,14 +3866,6 @@
 <file path=ppt/slides/slide1.xml><?xml version="1.0" encoding="utf-8"?>
 <p:sld xmlns:a="http://schemas.openxmlformats.org/drawingml/2006/main" xmlns:r="http://schemas.openxmlformats.org/officeDocument/2006/relationships" xmlns:p="http://schemas.openxmlformats.org/presentationml/2006/main">
   <p:cSld>
-    <p:bg>
-      <p:bgPr>
-        <a:solidFill>
-          <a:schemeClr val="bg2"/>
-        </a:solidFill>
-        <a:effectLst/>
-      </p:bgPr>
-    </p:bg>
     <p:spTree>
       <p:nvGrpSpPr>
         <p:cNvPr id="1" name=""/>
@@ -4253,41 +4248,6 @@
       </p:sp>
       <p:sp>
         <p:nvSpPr>
-          <p:cNvPr id="2" name="Titolo 1">
-            <a:extLst>
-              <a:ext uri="{FF2B5EF4-FFF2-40B4-BE49-F238E27FC236}">
-                <a16:creationId xmlns:a16="http://schemas.microsoft.com/office/drawing/2014/main" id="{F9263FBF-45C3-4EAD-A8DD-35051FE9BEA8}"/>
-              </a:ext>
-            </a:extLst>
-          </p:cNvPr>
-          <p:cNvSpPr>
-            <a:spLocks noGrp="1"/>
-          </p:cNvSpPr>
-          <p:nvPr>
-            <p:ph type="ctrTitle"/>
-          </p:nvPr>
-        </p:nvSpPr>
-        <p:spPr>
-          <a:xfrm>
-            <a:off x="441960" y="1522476"/>
-            <a:ext cx="4572000" cy="2286000"/>
-          </a:xfrm>
-        </p:spPr>
-        <p:txBody>
-          <a:bodyPr>
-            <a:normAutofit/>
-          </a:bodyPr>
-          <a:lstStyle/>
-          <a:p>
-            <a:r>
-              <a:rPr lang="it-IT" sz="4800" dirty="0"/>
-              <a:t>Gestione di un magazzino</a:t>
-            </a:r>
-          </a:p>
-        </p:txBody>
-      </p:sp>
-      <p:sp>
-        <p:nvSpPr>
           <p:cNvPr id="3" name="Sottotitolo 2">
             <a:extLst>
               <a:ext uri="{FF2B5EF4-FFF2-40B4-BE49-F238E27FC236}">
@@ -4304,7 +4264,7 @@
         </p:nvSpPr>
         <p:spPr>
           <a:xfrm>
-            <a:off x="441960" y="5567831"/>
+            <a:off x="441960" y="5831153"/>
             <a:ext cx="11308080" cy="526644"/>
           </a:xfrm>
         </p:spPr>
@@ -4326,6 +4286,53 @@
           </a:p>
         </p:txBody>
       </p:sp>
+      <p:pic>
+        <p:nvPicPr>
+          <p:cNvPr id="10" name="Picture 2" descr="https://media.discordapp.net/attachments/909033749348487178/911307392866713630/owo.png">
+            <a:extLst>
+              <a:ext uri="{FF2B5EF4-FFF2-40B4-BE49-F238E27FC236}">
+                <a16:creationId xmlns:a16="http://schemas.microsoft.com/office/drawing/2014/main" id="{2DFEC217-C4B0-41B1-9B1C-9B9D170C4F6A}"/>
+              </a:ext>
+            </a:extLst>
+          </p:cNvPr>
+          <p:cNvPicPr>
+            <a:picLocks noChangeAspect="1" noChangeArrowheads="1"/>
+          </p:cNvPicPr>
+          <p:nvPr/>
+        </p:nvPicPr>
+        <p:blipFill>
+          <a:blip r:embed="rId3">
+            <a:extLst>
+              <a:ext uri="{28A0092B-C50C-407E-A947-70E740481C1C}">
+                <a14:useLocalDpi xmlns:a14="http://schemas.microsoft.com/office/drawing/2010/main" val="0"/>
+              </a:ext>
+            </a:extLst>
+          </a:blip>
+          <a:srcRect/>
+          <a:stretch>
+            <a:fillRect/>
+          </a:stretch>
+        </p:blipFill>
+        <p:spPr bwMode="auto">
+          <a:xfrm>
+            <a:off x="441960" y="2982524"/>
+            <a:ext cx="5541640" cy="1732352"/>
+          </a:xfrm>
+          <a:prstGeom prst="rect">
+            <a:avLst/>
+          </a:prstGeom>
+          <a:noFill/>
+          <a:extLst>
+            <a:ext uri="{909E8E84-426E-40DD-AFC4-6F175D3DCCD1}">
+              <a14:hiddenFill xmlns:a14="http://schemas.microsoft.com/office/drawing/2010/main">
+                <a:solidFill>
+                  <a:srgbClr val="FFFFFF"/>
+                </a:solidFill>
+              </a14:hiddenFill>
+            </a:ext>
+          </a:extLst>
+        </p:spPr>
+      </p:pic>
     </p:spTree>
     <p:extLst>
       <p:ext uri="{BB962C8B-B14F-4D97-AF65-F5344CB8AC3E}">
@@ -4417,44 +4424,6 @@
                                   </p:childTnLst>
                                 </p:cTn>
                               </p:par>
-                              <p:par>
-                                <p:cTn id="8" presetID="10" presetClass="entr" presetSubtype="0" fill="hold" grpId="0" nodeType="withEffect">
-                                  <p:stCondLst>
-                                    <p:cond delay="500"/>
-                                  </p:stCondLst>
-                                  <p:iterate type="lt">
-                                    <p:tmPct val="10000"/>
-                                  </p:iterate>
-                                  <p:childTnLst>
-                                    <p:set>
-                                      <p:cBhvr>
-                                        <p:cTn id="9" dur="1" fill="hold">
-                                          <p:stCondLst>
-                                            <p:cond delay="0"/>
-                                          </p:stCondLst>
-                                        </p:cTn>
-                                        <p:tgtEl>
-                                          <p:spTgt spid="2"/>
-                                        </p:tgtEl>
-                                        <p:attrNameLst>
-                                          <p:attrName>style.visibility</p:attrName>
-                                        </p:attrNameLst>
-                                      </p:cBhvr>
-                                      <p:to>
-                                        <p:strVal val="visible"/>
-                                      </p:to>
-                                    </p:set>
-                                    <p:animEffect transition="in" filter="fade">
-                                      <p:cBhvr>
-                                        <p:cTn id="10" dur="400"/>
-                                        <p:tgtEl>
-                                          <p:spTgt spid="2"/>
-                                        </p:tgtEl>
-                                      </p:cBhvr>
-                                    </p:animEffect>
-                                  </p:childTnLst>
-                                </p:cTn>
-                              </p:par>
                             </p:childTnLst>
                           </p:cTn>
                         </p:par>
@@ -4483,7 +4452,6 @@
       </p:par>
     </p:tnLst>
     <p:bldLst>
-      <p:bldP spid="2" grpId="0"/>
       <p:bldP spid="3" grpId="0" build="p"/>
     </p:bldLst>
   </p:timing>
@@ -4926,6 +4894,53 @@
           </a:p>
         </p:txBody>
       </p:sp>
+      <p:pic>
+        <p:nvPicPr>
+          <p:cNvPr id="10" name="Picture 2" descr="https://media.discordapp.net/attachments/909033749348487178/911307392866713630/owo.png">
+            <a:extLst>
+              <a:ext uri="{FF2B5EF4-FFF2-40B4-BE49-F238E27FC236}">
+                <a16:creationId xmlns:a16="http://schemas.microsoft.com/office/drawing/2014/main" id="{BF849F06-54EB-484C-A650-06292F0622CE}"/>
+              </a:ext>
+            </a:extLst>
+          </p:cNvPr>
+          <p:cNvPicPr>
+            <a:picLocks noChangeAspect="1" noChangeArrowheads="1"/>
+          </p:cNvPicPr>
+          <p:nvPr/>
+        </p:nvPicPr>
+        <p:blipFill>
+          <a:blip r:embed="rId2">
+            <a:extLst>
+              <a:ext uri="{28A0092B-C50C-407E-A947-70E740481C1C}">
+                <a14:useLocalDpi xmlns:a14="http://schemas.microsoft.com/office/drawing/2010/main" val="0"/>
+              </a:ext>
+            </a:extLst>
+          </a:blip>
+          <a:srcRect/>
+          <a:stretch>
+            <a:fillRect/>
+          </a:stretch>
+        </p:blipFill>
+        <p:spPr bwMode="auto">
+          <a:xfrm>
+            <a:off x="77755" y="6258377"/>
+            <a:ext cx="1601755" cy="500719"/>
+          </a:xfrm>
+          <a:prstGeom prst="rect">
+            <a:avLst/>
+          </a:prstGeom>
+          <a:noFill/>
+          <a:extLst>
+            <a:ext uri="{909E8E84-426E-40DD-AFC4-6F175D3DCCD1}">
+              <a14:hiddenFill xmlns:a14="http://schemas.microsoft.com/office/drawing/2010/main">
+                <a:solidFill>
+                  <a:srgbClr val="FFFFFF"/>
+                </a:solidFill>
+              </a14:hiddenFill>
+            </a:ext>
+          </a:extLst>
+        </p:spPr>
+      </p:pic>
     </p:spTree>
     <p:extLst>
       <p:ext uri="{BB962C8B-B14F-4D97-AF65-F5344CB8AC3E}">
@@ -5832,6 +5847,53 @@
           </a:p>
         </p:txBody>
       </p:sp>
+      <p:pic>
+        <p:nvPicPr>
+          <p:cNvPr id="5" name="Picture 2" descr="https://media.discordapp.net/attachments/909033749348487178/911307392866713630/owo.png">
+            <a:extLst>
+              <a:ext uri="{FF2B5EF4-FFF2-40B4-BE49-F238E27FC236}">
+                <a16:creationId xmlns:a16="http://schemas.microsoft.com/office/drawing/2014/main" id="{F12FEE7C-F8AD-4185-880C-5F2F2BAC2B14}"/>
+              </a:ext>
+            </a:extLst>
+          </p:cNvPr>
+          <p:cNvPicPr>
+            <a:picLocks noChangeAspect="1" noChangeArrowheads="1"/>
+          </p:cNvPicPr>
+          <p:nvPr/>
+        </p:nvPicPr>
+        <p:blipFill>
+          <a:blip r:embed="rId2">
+            <a:extLst>
+              <a:ext uri="{28A0092B-C50C-407E-A947-70E740481C1C}">
+                <a14:useLocalDpi xmlns:a14="http://schemas.microsoft.com/office/drawing/2010/main" val="0"/>
+              </a:ext>
+            </a:extLst>
+          </a:blip>
+          <a:srcRect/>
+          <a:stretch>
+            <a:fillRect/>
+          </a:stretch>
+        </p:blipFill>
+        <p:spPr bwMode="auto">
+          <a:xfrm>
+            <a:off x="77755" y="6258377"/>
+            <a:ext cx="1601755" cy="500719"/>
+          </a:xfrm>
+          <a:prstGeom prst="rect">
+            <a:avLst/>
+          </a:prstGeom>
+          <a:noFill/>
+          <a:extLst>
+            <a:ext uri="{909E8E84-426E-40DD-AFC4-6F175D3DCCD1}">
+              <a14:hiddenFill xmlns:a14="http://schemas.microsoft.com/office/drawing/2010/main">
+                <a:solidFill>
+                  <a:srgbClr val="FFFFFF"/>
+                </a:solidFill>
+              </a14:hiddenFill>
+            </a:ext>
+          </a:extLst>
+        </p:spPr>
+      </p:pic>
     </p:spTree>
     <p:extLst>
       <p:ext uri="{BB962C8B-B14F-4D97-AF65-F5344CB8AC3E}">
@@ -6082,14 +6144,6 @@
 <file path=ppt/slides/slide4.xml><?xml version="1.0" encoding="utf-8"?>
 <p:sld xmlns:a="http://schemas.openxmlformats.org/drawingml/2006/main" xmlns:r="http://schemas.openxmlformats.org/officeDocument/2006/relationships" xmlns:p="http://schemas.openxmlformats.org/presentationml/2006/main">
   <p:cSld>
-    <p:bg>
-      <p:bgPr>
-        <a:solidFill>
-          <a:schemeClr val="bg2"/>
-        </a:solidFill>
-        <a:effectLst/>
-      </p:bgPr>
-    </p:bg>
     <p:spTree>
       <p:nvGrpSpPr>
         <p:cNvPr id="1" name=""/>
@@ -6702,6 +6756,53 @@
           </a:p>
         </p:txBody>
       </p:sp>
+      <p:pic>
+        <p:nvPicPr>
+          <p:cNvPr id="8" name="Picture 2" descr="https://media.discordapp.net/attachments/909033749348487178/911307392866713630/owo.png">
+            <a:extLst>
+              <a:ext uri="{FF2B5EF4-FFF2-40B4-BE49-F238E27FC236}">
+                <a16:creationId xmlns:a16="http://schemas.microsoft.com/office/drawing/2014/main" id="{4ED54160-647A-4D71-A146-EB8301BB447C}"/>
+              </a:ext>
+            </a:extLst>
+          </p:cNvPr>
+          <p:cNvPicPr>
+            <a:picLocks noChangeAspect="1" noChangeArrowheads="1"/>
+          </p:cNvPicPr>
+          <p:nvPr/>
+        </p:nvPicPr>
+        <p:blipFill>
+          <a:blip r:embed="rId3">
+            <a:extLst>
+              <a:ext uri="{28A0092B-C50C-407E-A947-70E740481C1C}">
+                <a14:useLocalDpi xmlns:a14="http://schemas.microsoft.com/office/drawing/2010/main" val="0"/>
+              </a:ext>
+            </a:extLst>
+          </a:blip>
+          <a:srcRect/>
+          <a:stretch>
+            <a:fillRect/>
+          </a:stretch>
+        </p:blipFill>
+        <p:spPr bwMode="auto">
+          <a:xfrm>
+            <a:off x="10338318" y="6249392"/>
+            <a:ext cx="1771414" cy="553755"/>
+          </a:xfrm>
+          <a:prstGeom prst="rect">
+            <a:avLst/>
+          </a:prstGeom>
+          <a:noFill/>
+          <a:extLst>
+            <a:ext uri="{909E8E84-426E-40DD-AFC4-6F175D3DCCD1}">
+              <a14:hiddenFill xmlns:a14="http://schemas.microsoft.com/office/drawing/2010/main">
+                <a:solidFill>
+                  <a:srgbClr val="FFFFFF"/>
+                </a:solidFill>
+              </a14:hiddenFill>
+            </a:ext>
+          </a:extLst>
+        </p:spPr>
+      </p:pic>
     </p:spTree>
     <p:extLst>
       <p:ext uri="{BB962C8B-B14F-4D97-AF65-F5344CB8AC3E}">
@@ -7147,14 +7248,6 @@
 <file path=ppt/slides/slide5.xml><?xml version="1.0" encoding="utf-8"?>
 <p:sld xmlns:a="http://schemas.openxmlformats.org/drawingml/2006/main" xmlns:r="http://schemas.openxmlformats.org/officeDocument/2006/relationships" xmlns:p="http://schemas.openxmlformats.org/presentationml/2006/main">
   <p:cSld>
-    <p:bg>
-      <p:bgPr>
-        <a:solidFill>
-          <a:schemeClr val="bg2"/>
-        </a:solidFill>
-        <a:effectLst/>
-      </p:bgPr>
-    </p:bg>
     <p:spTree>
       <p:nvGrpSpPr>
         <p:cNvPr id="1" name=""/>
@@ -7807,6 +7900,53 @@
           </a:p>
         </p:txBody>
       </p:sp>
+      <p:pic>
+        <p:nvPicPr>
+          <p:cNvPr id="8" name="Picture 2" descr="https://media.discordapp.net/attachments/909033749348487178/911307392866713630/owo.png">
+            <a:extLst>
+              <a:ext uri="{FF2B5EF4-FFF2-40B4-BE49-F238E27FC236}">
+                <a16:creationId xmlns:a16="http://schemas.microsoft.com/office/drawing/2014/main" id="{701E7730-E7AB-46E4-8A45-FDFEE508D88F}"/>
+              </a:ext>
+            </a:extLst>
+          </p:cNvPr>
+          <p:cNvPicPr>
+            <a:picLocks noChangeAspect="1" noChangeArrowheads="1"/>
+          </p:cNvPicPr>
+          <p:nvPr/>
+        </p:nvPicPr>
+        <p:blipFill>
+          <a:blip r:embed="rId3">
+            <a:extLst>
+              <a:ext uri="{28A0092B-C50C-407E-A947-70E740481C1C}">
+                <a14:useLocalDpi xmlns:a14="http://schemas.microsoft.com/office/drawing/2010/main" val="0"/>
+              </a:ext>
+            </a:extLst>
+          </a:blip>
+          <a:srcRect/>
+          <a:stretch>
+            <a:fillRect/>
+          </a:stretch>
+        </p:blipFill>
+        <p:spPr bwMode="auto">
+          <a:xfrm>
+            <a:off x="77755" y="6258377"/>
+            <a:ext cx="1601755" cy="500719"/>
+          </a:xfrm>
+          <a:prstGeom prst="rect">
+            <a:avLst/>
+          </a:prstGeom>
+          <a:noFill/>
+          <a:extLst>
+            <a:ext uri="{909E8E84-426E-40DD-AFC4-6F175D3DCCD1}">
+              <a14:hiddenFill xmlns:a14="http://schemas.microsoft.com/office/drawing/2010/main">
+                <a:solidFill>
+                  <a:srgbClr val="FFFFFF"/>
+                </a:solidFill>
+              </a14:hiddenFill>
+            </a:ext>
+          </a:extLst>
+        </p:spPr>
+      </p:pic>
     </p:spTree>
     <p:extLst>
       <p:ext uri="{BB962C8B-B14F-4D97-AF65-F5344CB8AC3E}">
@@ -8289,14 +8429,6 @@
 <file path=ppt/slides/slide6.xml><?xml version="1.0" encoding="utf-8"?>
 <p:sld xmlns:a="http://schemas.openxmlformats.org/drawingml/2006/main" xmlns:r="http://schemas.openxmlformats.org/officeDocument/2006/relationships" xmlns:p="http://schemas.openxmlformats.org/presentationml/2006/main">
   <p:cSld>
-    <p:bg>
-      <p:bgPr>
-        <a:solidFill>
-          <a:schemeClr val="bg2"/>
-        </a:solidFill>
-        <a:effectLst/>
-      </p:bgPr>
-    </p:bg>
     <p:spTree>
       <p:nvGrpSpPr>
         <p:cNvPr id="1" name=""/>
@@ -8781,6 +8913,53 @@
           </a:p>
         </p:txBody>
       </p:sp>
+      <p:pic>
+        <p:nvPicPr>
+          <p:cNvPr id="13" name="Picture 2" descr="https://media.discordapp.net/attachments/909033749348487178/911307392866713630/owo.png">
+            <a:extLst>
+              <a:ext uri="{FF2B5EF4-FFF2-40B4-BE49-F238E27FC236}">
+                <a16:creationId xmlns:a16="http://schemas.microsoft.com/office/drawing/2014/main" id="{D544487F-785B-41D9-BAE9-9CE767D35153}"/>
+              </a:ext>
+            </a:extLst>
+          </p:cNvPr>
+          <p:cNvPicPr>
+            <a:picLocks noChangeAspect="1" noChangeArrowheads="1"/>
+          </p:cNvPicPr>
+          <p:nvPr/>
+        </p:nvPicPr>
+        <p:blipFill>
+          <a:blip r:embed="rId3">
+            <a:extLst>
+              <a:ext uri="{28A0092B-C50C-407E-A947-70E740481C1C}">
+                <a14:useLocalDpi xmlns:a14="http://schemas.microsoft.com/office/drawing/2010/main" val="0"/>
+              </a:ext>
+            </a:extLst>
+          </a:blip>
+          <a:srcRect/>
+          <a:stretch>
+            <a:fillRect/>
+          </a:stretch>
+        </p:blipFill>
+        <p:spPr bwMode="auto">
+          <a:xfrm>
+            <a:off x="10543590" y="6324372"/>
+            <a:ext cx="1601755" cy="500719"/>
+          </a:xfrm>
+          <a:prstGeom prst="rect">
+            <a:avLst/>
+          </a:prstGeom>
+          <a:noFill/>
+          <a:extLst>
+            <a:ext uri="{909E8E84-426E-40DD-AFC4-6F175D3DCCD1}">
+              <a14:hiddenFill xmlns:a14="http://schemas.microsoft.com/office/drawing/2010/main">
+                <a:solidFill>
+                  <a:srgbClr val="FFFFFF"/>
+                </a:solidFill>
+              </a14:hiddenFill>
+            </a:ext>
+          </a:extLst>
+        </p:spPr>
+      </p:pic>
     </p:spTree>
     <p:extLst>
       <p:ext uri="{BB962C8B-B14F-4D97-AF65-F5344CB8AC3E}">
@@ -9058,14 +9237,6 @@
 <file path=ppt/slides/slide7.xml><?xml version="1.0" encoding="utf-8"?>
 <p:sld xmlns:a="http://schemas.openxmlformats.org/drawingml/2006/main" xmlns:r="http://schemas.openxmlformats.org/officeDocument/2006/relationships" xmlns:p="http://schemas.openxmlformats.org/presentationml/2006/main">
   <p:cSld>
-    <p:bg>
-      <p:bgPr>
-        <a:solidFill>
-          <a:schemeClr val="bg2"/>
-        </a:solidFill>
-        <a:effectLst/>
-      </p:bgPr>
-    </p:bg>
     <p:spTree>
       <p:nvGrpSpPr>
         <p:cNvPr id="1" name=""/>
@@ -9509,6 +9680,53 @@
           </a:p>
         </p:txBody>
       </p:sp>
+      <p:pic>
+        <p:nvPicPr>
+          <p:cNvPr id="8" name="Picture 2" descr="https://media.discordapp.net/attachments/909033749348487178/911307392866713630/owo.png">
+            <a:extLst>
+              <a:ext uri="{FF2B5EF4-FFF2-40B4-BE49-F238E27FC236}">
+                <a16:creationId xmlns:a16="http://schemas.microsoft.com/office/drawing/2014/main" id="{AB49E10D-55CB-4FB7-B83F-55C62A844FA7}"/>
+              </a:ext>
+            </a:extLst>
+          </p:cNvPr>
+          <p:cNvPicPr>
+            <a:picLocks noChangeAspect="1" noChangeArrowheads="1"/>
+          </p:cNvPicPr>
+          <p:nvPr/>
+        </p:nvPicPr>
+        <p:blipFill>
+          <a:blip r:embed="rId3">
+            <a:extLst>
+              <a:ext uri="{28A0092B-C50C-407E-A947-70E740481C1C}">
+                <a14:useLocalDpi xmlns:a14="http://schemas.microsoft.com/office/drawing/2010/main" val="0"/>
+              </a:ext>
+            </a:extLst>
+          </a:blip>
+          <a:srcRect/>
+          <a:stretch>
+            <a:fillRect/>
+          </a:stretch>
+        </p:blipFill>
+        <p:spPr bwMode="auto">
+          <a:xfrm>
+            <a:off x="10537373" y="6314362"/>
+            <a:ext cx="1601755" cy="500719"/>
+          </a:xfrm>
+          <a:prstGeom prst="rect">
+            <a:avLst/>
+          </a:prstGeom>
+          <a:noFill/>
+          <a:extLst>
+            <a:ext uri="{909E8E84-426E-40DD-AFC4-6F175D3DCCD1}">
+              <a14:hiddenFill xmlns:a14="http://schemas.microsoft.com/office/drawing/2010/main">
+                <a:solidFill>
+                  <a:srgbClr val="FFFFFF"/>
+                </a:solidFill>
+              </a14:hiddenFill>
+            </a:ext>
+          </a:extLst>
+        </p:spPr>
+      </p:pic>
     </p:spTree>
     <p:extLst>
       <p:ext uri="{BB962C8B-B14F-4D97-AF65-F5344CB8AC3E}">
@@ -9739,6 +9957,53 @@
           <a:prstGeom prst="rect">
             <a:avLst/>
           </a:prstGeom>
+        </p:spPr>
+      </p:pic>
+      <p:pic>
+        <p:nvPicPr>
+          <p:cNvPr id="6" name="Picture 2" descr="https://media.discordapp.net/attachments/909033749348487178/911307392866713630/owo.png">
+            <a:extLst>
+              <a:ext uri="{FF2B5EF4-FFF2-40B4-BE49-F238E27FC236}">
+                <a16:creationId xmlns:a16="http://schemas.microsoft.com/office/drawing/2014/main" id="{260D071C-36CB-4F4D-9DE7-4581BDD9A370}"/>
+              </a:ext>
+            </a:extLst>
+          </p:cNvPr>
+          <p:cNvPicPr>
+            <a:picLocks noChangeAspect="1" noChangeArrowheads="1"/>
+          </p:cNvPicPr>
+          <p:nvPr/>
+        </p:nvPicPr>
+        <p:blipFill>
+          <a:blip r:embed="rId3">
+            <a:extLst>
+              <a:ext uri="{28A0092B-C50C-407E-A947-70E740481C1C}">
+                <a14:useLocalDpi xmlns:a14="http://schemas.microsoft.com/office/drawing/2010/main" val="0"/>
+              </a:ext>
+            </a:extLst>
+          </a:blip>
+          <a:srcRect/>
+          <a:stretch>
+            <a:fillRect/>
+          </a:stretch>
+        </p:blipFill>
+        <p:spPr bwMode="auto">
+          <a:xfrm>
+            <a:off x="77755" y="6283235"/>
+            <a:ext cx="1601755" cy="500719"/>
+          </a:xfrm>
+          <a:prstGeom prst="rect">
+            <a:avLst/>
+          </a:prstGeom>
+          <a:noFill/>
+          <a:extLst>
+            <a:ext uri="{909E8E84-426E-40DD-AFC4-6F175D3DCCD1}">
+              <a14:hiddenFill xmlns:a14="http://schemas.microsoft.com/office/drawing/2010/main">
+                <a:solidFill>
+                  <a:srgbClr val="FFFFFF"/>
+                </a:solidFill>
+              </a14:hiddenFill>
+            </a:ext>
+          </a:extLst>
         </p:spPr>
       </p:pic>
     </p:spTree>
